--- a/題庫.pptx
+++ b/題庫.pptx
@@ -247,7 +247,7 @@
           <a:p>
             <a:fld id="{E4CB8B4F-89D8-440A-BB15-4B4298FEF5FB}" type="datetimeFigureOut">
               <a:rPr lang="zh-TW" altLang="en-US" smtClean="0"/>
-              <a:t>2021/3/29</a:t>
+              <a:t>2021/10/8</a:t>
             </a:fld>
             <a:endParaRPr lang="zh-TW" altLang="en-US"/>
           </a:p>
@@ -424,7 +424,7 @@
           <a:p>
             <a:fld id="{F4BAEEFC-6768-468A-9F64-32223BA2ED99}" type="datetimeFigureOut">
               <a:rPr lang="zh-TW" altLang="en-US" smtClean="0"/>
-              <a:t>2021/3/29</a:t>
+              <a:t>2021/10/8</a:t>
             </a:fld>
             <a:endParaRPr lang="zh-TW" altLang="en-US"/>
           </a:p>
@@ -917,7 +917,7 @@
           <a:p>
             <a:fld id="{E61002D4-1435-444D-97F8-5ABCDD5CFA18}" type="datetimeFigureOut">
               <a:rPr lang="zh-TW" altLang="en-US" smtClean="0"/>
-              <a:t>2021/3/29</a:t>
+              <a:t>2021/10/8</a:t>
             </a:fld>
             <a:endParaRPr lang="zh-TW" altLang="en-US"/>
           </a:p>
@@ -1531,7 +1531,7 @@
           <a:p>
             <a:fld id="{E61002D4-1435-444D-97F8-5ABCDD5CFA18}" type="datetimeFigureOut">
               <a:rPr lang="zh-TW" altLang="en-US" smtClean="0"/>
-              <a:t>2021/3/29</a:t>
+              <a:t>2021/10/8</a:t>
             </a:fld>
             <a:endParaRPr lang="zh-TW" altLang="en-US"/>
           </a:p>
@@ -1708,7 +1708,7 @@
           <a:p>
             <a:fld id="{E61002D4-1435-444D-97F8-5ABCDD5CFA18}" type="datetimeFigureOut">
               <a:rPr lang="zh-TW" altLang="en-US" smtClean="0"/>
-              <a:t>2021/3/29</a:t>
+              <a:t>2021/10/8</a:t>
             </a:fld>
             <a:endParaRPr lang="zh-TW" altLang="en-US"/>
           </a:p>
@@ -1903,7 +1903,7 @@
           <a:p>
             <a:fld id="{E61002D4-1435-444D-97F8-5ABCDD5CFA18}" type="datetimeFigureOut">
               <a:rPr lang="zh-TW" altLang="en-US" smtClean="0"/>
-              <a:t>2021/3/29</a:t>
+              <a:t>2021/10/8</a:t>
             </a:fld>
             <a:endParaRPr lang="zh-TW" altLang="en-US"/>
           </a:p>
@@ -2418,7 +2418,7 @@
           <a:p>
             <a:fld id="{E61002D4-1435-444D-97F8-5ABCDD5CFA18}" type="datetimeFigureOut">
               <a:rPr lang="zh-TW" altLang="en-US" smtClean="0"/>
-              <a:t>2021/3/29</a:t>
+              <a:t>2021/10/8</a:t>
             </a:fld>
             <a:endParaRPr lang="zh-TW" altLang="en-US"/>
           </a:p>
@@ -2971,7 +2971,7 @@
           <a:p>
             <a:fld id="{E61002D4-1435-444D-97F8-5ABCDD5CFA18}" type="datetimeFigureOut">
               <a:rPr lang="zh-TW" altLang="en-US" smtClean="0"/>
-              <a:t>2021/3/29</a:t>
+              <a:t>2021/10/8</a:t>
             </a:fld>
             <a:endParaRPr lang="zh-TW" altLang="en-US"/>
           </a:p>
@@ -3407,7 +3407,7 @@
           <a:p>
             <a:fld id="{E61002D4-1435-444D-97F8-5ABCDD5CFA18}" type="datetimeFigureOut">
               <a:rPr lang="zh-TW" altLang="en-US" smtClean="0"/>
-              <a:t>2021/3/29</a:t>
+              <a:t>2021/10/8</a:t>
             </a:fld>
             <a:endParaRPr lang="zh-TW" altLang="en-US"/>
           </a:p>
@@ -3734,7 +3734,7 @@
           <a:p>
             <a:fld id="{E61002D4-1435-444D-97F8-5ABCDD5CFA18}" type="datetimeFigureOut">
               <a:rPr lang="zh-TW" altLang="en-US" smtClean="0"/>
-              <a:t>2021/3/29</a:t>
+              <a:t>2021/10/8</a:t>
             </a:fld>
             <a:endParaRPr lang="zh-TW" altLang="en-US"/>
           </a:p>
@@ -4242,7 +4242,7 @@
           <a:p>
             <a:fld id="{E61002D4-1435-444D-97F8-5ABCDD5CFA18}" type="datetimeFigureOut">
               <a:rPr lang="zh-TW" altLang="en-US" smtClean="0"/>
-              <a:t>2021/3/29</a:t>
+              <a:t>2021/10/8</a:t>
             </a:fld>
             <a:endParaRPr lang="zh-TW" altLang="en-US"/>
           </a:p>
@@ -4606,7 +4606,7 @@
           <a:p>
             <a:fld id="{E61002D4-1435-444D-97F8-5ABCDD5CFA18}" type="datetimeFigureOut">
               <a:rPr lang="zh-TW" altLang="en-US" smtClean="0"/>
-              <a:t>2021/3/29</a:t>
+              <a:t>2021/10/8</a:t>
             </a:fld>
             <a:endParaRPr lang="zh-TW" altLang="en-US"/>
           </a:p>
@@ -4709,7 +4709,7 @@
           <a:p>
             <a:fld id="{E61002D4-1435-444D-97F8-5ABCDD5CFA18}" type="datetimeFigureOut">
               <a:rPr lang="zh-TW" altLang="en-US" smtClean="0"/>
-              <a:t>2021/3/29</a:t>
+              <a:t>2021/10/8</a:t>
             </a:fld>
             <a:endParaRPr lang="zh-TW" altLang="en-US"/>
           </a:p>
@@ -4973,7 +4973,7 @@
           <a:p>
             <a:fld id="{E61002D4-1435-444D-97F8-5ABCDD5CFA18}" type="datetimeFigureOut">
               <a:rPr lang="zh-TW" altLang="en-US" smtClean="0"/>
-              <a:t>2021/3/29</a:t>
+              <a:t>2021/10/8</a:t>
             </a:fld>
             <a:endParaRPr lang="zh-TW" altLang="en-US"/>
           </a:p>
@@ -5410,7 +5410,7 @@
           <a:p>
             <a:fld id="{E61002D4-1435-444D-97F8-5ABCDD5CFA18}" type="datetimeFigureOut">
               <a:rPr lang="zh-TW" altLang="en-US" smtClean="0"/>
-              <a:t>2021/3/29</a:t>
+              <a:t>2021/10/8</a:t>
             </a:fld>
             <a:endParaRPr lang="zh-TW" altLang="en-US"/>
           </a:p>
@@ -5987,7 +5987,7 @@
           <a:p>
             <a:fld id="{E61002D4-1435-444D-97F8-5ABCDD5CFA18}" type="datetimeFigureOut">
               <a:rPr lang="zh-TW" altLang="en-US" smtClean="0"/>
-              <a:t>2021/3/29</a:t>
+              <a:t>2021/10/8</a:t>
             </a:fld>
             <a:endParaRPr lang="zh-TW" altLang="en-US"/>
           </a:p>
@@ -6431,7 +6431,7 @@
           <a:p>
             <a:fld id="{E61002D4-1435-444D-97F8-5ABCDD5CFA18}" type="datetimeFigureOut">
               <a:rPr lang="zh-TW" altLang="en-US" smtClean="0"/>
-              <a:t>2021/3/29</a:t>
+              <a:t>2021/10/8</a:t>
             </a:fld>
             <a:endParaRPr lang="zh-TW" altLang="en-US"/>
           </a:p>
@@ -6616,7 +6616,7 @@
           <a:p>
             <a:fld id="{E61002D4-1435-444D-97F8-5ABCDD5CFA18}" type="datetimeFigureOut">
               <a:rPr lang="zh-TW" altLang="en-US" smtClean="0"/>
-              <a:t>2021/3/29</a:t>
+              <a:t>2021/10/8</a:t>
             </a:fld>
             <a:endParaRPr lang="zh-TW" altLang="en-US"/>
           </a:p>
@@ -6819,7 +6819,7 @@
           <a:p>
             <a:fld id="{E61002D4-1435-444D-97F8-5ABCDD5CFA18}" type="datetimeFigureOut">
               <a:rPr lang="zh-TW" altLang="en-US" smtClean="0"/>
-              <a:t>2021/3/29</a:t>
+              <a:t>2021/10/8</a:t>
             </a:fld>
             <a:endParaRPr lang="zh-TW" altLang="en-US"/>
           </a:p>
@@ -7209,7 +7209,7 @@
           <a:p>
             <a:fld id="{E61002D4-1435-444D-97F8-5ABCDD5CFA18}" type="datetimeFigureOut">
               <a:rPr lang="zh-TW" altLang="en-US" smtClean="0"/>
-              <a:t>2021/3/29</a:t>
+              <a:t>2021/10/8</a:t>
             </a:fld>
             <a:endParaRPr lang="zh-TW" altLang="en-US"/>
           </a:p>
@@ -7536,7 +7536,7 @@
           <a:p>
             <a:fld id="{E61002D4-1435-444D-97F8-5ABCDD5CFA18}" type="datetimeFigureOut">
               <a:rPr lang="zh-TW" altLang="en-US" smtClean="0"/>
-              <a:t>2021/3/29</a:t>
+              <a:t>2021/10/8</a:t>
             </a:fld>
             <a:endParaRPr lang="zh-TW" altLang="en-US"/>
           </a:p>
@@ -8036,7 +8036,7 @@
           <a:p>
             <a:fld id="{E61002D4-1435-444D-97F8-5ABCDD5CFA18}" type="datetimeFigureOut">
               <a:rPr lang="zh-TW" altLang="en-US" smtClean="0"/>
-              <a:t>2021/3/29</a:t>
+              <a:t>2021/10/8</a:t>
             </a:fld>
             <a:endParaRPr lang="zh-TW" altLang="en-US"/>
           </a:p>
@@ -8392,7 +8392,7 @@
           <a:p>
             <a:fld id="{E61002D4-1435-444D-97F8-5ABCDD5CFA18}" type="datetimeFigureOut">
               <a:rPr lang="zh-TW" altLang="en-US" smtClean="0"/>
-              <a:t>2021/3/29</a:t>
+              <a:t>2021/10/8</a:t>
             </a:fld>
             <a:endParaRPr lang="zh-TW" altLang="en-US"/>
           </a:p>
@@ -8487,7 +8487,7 @@
           <a:p>
             <a:fld id="{E61002D4-1435-444D-97F8-5ABCDD5CFA18}" type="datetimeFigureOut">
               <a:rPr lang="zh-TW" altLang="en-US" smtClean="0"/>
-              <a:t>2021/3/29</a:t>
+              <a:t>2021/10/8</a:t>
             </a:fld>
             <a:endParaRPr lang="zh-TW" altLang="en-US"/>
           </a:p>
@@ -8635,7 +8635,7 @@
           <a:p>
             <a:fld id="{E61002D4-1435-444D-97F8-5ABCDD5CFA18}" type="datetimeFigureOut">
               <a:rPr lang="zh-TW" altLang="en-US" smtClean="0"/>
-              <a:t>2021/3/29</a:t>
+              <a:t>2021/10/8</a:t>
             </a:fld>
             <a:endParaRPr lang="zh-TW" altLang="en-US"/>
           </a:p>
@@ -9209,7 +9209,7 @@
           <a:p>
             <a:fld id="{E61002D4-1435-444D-97F8-5ABCDD5CFA18}" type="datetimeFigureOut">
               <a:rPr lang="zh-TW" altLang="en-US" smtClean="0"/>
-              <a:t>2021/3/29</a:t>
+              <a:t>2021/10/8</a:t>
             </a:fld>
             <a:endParaRPr lang="zh-TW" altLang="en-US"/>
           </a:p>
@@ -9583,7 +9583,7 @@
           <a:p>
             <a:fld id="{E61002D4-1435-444D-97F8-5ABCDD5CFA18}" type="datetimeFigureOut">
               <a:rPr lang="zh-TW" altLang="en-US" smtClean="0"/>
-              <a:t>2021/3/29</a:t>
+              <a:t>2021/10/8</a:t>
             </a:fld>
             <a:endParaRPr lang="zh-TW" altLang="en-US"/>
           </a:p>
@@ -11670,7 +11670,7 @@
         <p:spPr>
           <a:xfrm>
             <a:off x="179512" y="674801"/>
-            <a:ext cx="8856984" cy="6740307"/>
+            <a:ext cx="8856984" cy="5632311"/>
           </a:xfrm>
           <a:prstGeom prst="rect">
             <a:avLst/>
@@ -11684,363 +11684,690 @@
           <a:lstStyle/>
           <a:p>
             <a:r>
-              <a:rPr lang="en-US" altLang="zh-TW" dirty="0"/>
+              <a:rPr lang="en-US" altLang="zh-TW" dirty="0">
+                <a:latin typeface="標楷體" panose="03000509000000000000" pitchFamily="65" charset="-120"/>
+                <a:ea typeface="標楷體" panose="03000509000000000000" pitchFamily="65" charset="-120"/>
+              </a:rPr>
+              <a:t>0.</a:t>
+            </a:r>
+            <a:r>
+              <a:rPr lang="zh-TW" altLang="en-US" dirty="0">
+                <a:latin typeface="標楷體" panose="03000509000000000000" pitchFamily="65" charset="-120"/>
+                <a:ea typeface="標楷體" panose="03000509000000000000" pitchFamily="65" charset="-120"/>
+              </a:rPr>
+              <a:t>可利用此</a:t>
+            </a:r>
+            <a:r>
+              <a:rPr lang="en-US" altLang="zh-TW" dirty="0">
+                <a:latin typeface="標楷體" panose="03000509000000000000" pitchFamily="65" charset="-120"/>
+                <a:ea typeface="標楷體" panose="03000509000000000000" pitchFamily="65" charset="-120"/>
+              </a:rPr>
+              <a:t>repository </a:t>
+            </a:r>
+            <a:r>
+              <a:rPr lang="zh-TW" altLang="en-US" dirty="0">
+                <a:latin typeface="標楷體" panose="03000509000000000000" pitchFamily="65" charset="-120"/>
+                <a:ea typeface="標楷體" panose="03000509000000000000" pitchFamily="65" charset="-120"/>
+              </a:rPr>
+              <a:t>進行練型</a:t>
+            </a:r>
+            <a:endParaRPr lang="en-US" altLang="zh-TW" dirty="0">
+              <a:latin typeface="標楷體" panose="03000509000000000000" pitchFamily="65" charset="-120"/>
+              <a:ea typeface="標楷體" panose="03000509000000000000" pitchFamily="65" charset="-120"/>
+            </a:endParaRPr>
+          </a:p>
+          <a:p>
+            <a:r>
+              <a:rPr lang="en-US" altLang="zh-TW" dirty="0">
+                <a:latin typeface="標楷體" panose="03000509000000000000" pitchFamily="65" charset="-120"/>
+                <a:ea typeface="標楷體" panose="03000509000000000000" pitchFamily="65" charset="-120"/>
+              </a:rPr>
               <a:t>1.</a:t>
             </a:r>
             <a:r>
-              <a:rPr lang="zh-TW" altLang="en-US" dirty="0"/>
+              <a:rPr lang="zh-TW" altLang="en-US" dirty="0">
+                <a:latin typeface="標楷體" panose="03000509000000000000" pitchFamily="65" charset="-120"/>
+                <a:ea typeface="標楷體" panose="03000509000000000000" pitchFamily="65" charset="-120"/>
+              </a:rPr>
               <a:t>練習用的專案請上傳到</a:t>
             </a:r>
             <a:r>
-              <a:rPr lang="en-US" altLang="zh-TW" dirty="0"/>
+              <a:rPr lang="en-US" altLang="zh-TW" dirty="0">
+                <a:latin typeface="標楷體" panose="03000509000000000000" pitchFamily="65" charset="-120"/>
+                <a:ea typeface="標楷體" panose="03000509000000000000" pitchFamily="65" charset="-120"/>
+              </a:rPr>
               <a:t>Git</a:t>
             </a:r>
             <a:r>
-              <a:rPr lang="zh-TW" altLang="en-US" dirty="0"/>
+              <a:rPr lang="zh-TW" altLang="en-US" dirty="0">
+                <a:latin typeface="標楷體" panose="03000509000000000000" pitchFamily="65" charset="-120"/>
+                <a:ea typeface="標楷體" panose="03000509000000000000" pitchFamily="65" charset="-120"/>
+              </a:rPr>
               <a:t>空間</a:t>
             </a:r>
             <a:r>
-              <a:rPr lang="en-US" altLang="zh-TW" dirty="0"/>
+              <a:rPr lang="en-US" altLang="zh-TW" dirty="0">
+                <a:latin typeface="標楷體" panose="03000509000000000000" pitchFamily="65" charset="-120"/>
+                <a:ea typeface="標楷體" panose="03000509000000000000" pitchFamily="65" charset="-120"/>
+              </a:rPr>
               <a:t>(</a:t>
             </a:r>
             <a:r>
-              <a:rPr lang="en-US" altLang="zh-TW" dirty="0" err="1"/>
+              <a:rPr lang="en-US" altLang="zh-TW" dirty="0" err="1">
+                <a:latin typeface="標楷體" panose="03000509000000000000" pitchFamily="65" charset="-120"/>
+                <a:ea typeface="標楷體" panose="03000509000000000000" pitchFamily="65" charset="-120"/>
+              </a:rPr>
               <a:t>Github,Bitbucket</a:t>
             </a:r>
             <a:r>
-              <a:rPr lang="en-US" altLang="zh-TW" dirty="0"/>
+              <a:rPr lang="en-US" altLang="zh-TW" dirty="0">
+                <a:latin typeface="標楷體" panose="03000509000000000000" pitchFamily="65" charset="-120"/>
+                <a:ea typeface="標楷體" panose="03000509000000000000" pitchFamily="65" charset="-120"/>
+              </a:rPr>
               <a:t>…</a:t>
             </a:r>
             <a:r>
-              <a:rPr lang="zh-TW" altLang="en-US" dirty="0"/>
+              <a:rPr lang="zh-TW" altLang="en-US" dirty="0">
+                <a:latin typeface="標楷體" panose="03000509000000000000" pitchFamily="65" charset="-120"/>
+                <a:ea typeface="標楷體" panose="03000509000000000000" pitchFamily="65" charset="-120"/>
+              </a:rPr>
               <a:t>皆有帳號</a:t>
             </a:r>
             <a:r>
-              <a:rPr lang="en-US" altLang="zh-TW" dirty="0"/>
+              <a:rPr lang="en-US" altLang="zh-TW" dirty="0">
+                <a:latin typeface="標楷體" panose="03000509000000000000" pitchFamily="65" charset="-120"/>
+                <a:ea typeface="標楷體" panose="03000509000000000000" pitchFamily="65" charset="-120"/>
+              </a:rPr>
               <a:t>)</a:t>
             </a:r>
           </a:p>
           <a:p>
             <a:r>
-              <a:rPr lang="en-US" altLang="zh-TW" dirty="0"/>
+              <a:rPr lang="en-US" altLang="zh-TW" dirty="0">
+                <a:latin typeface="標楷體" panose="03000509000000000000" pitchFamily="65" charset="-120"/>
+                <a:ea typeface="標楷體" panose="03000509000000000000" pitchFamily="65" charset="-120"/>
+              </a:rPr>
               <a:t>	</a:t>
             </a:r>
             <a:r>
-              <a:rPr lang="zh-TW" altLang="en-US" dirty="0"/>
+              <a:rPr lang="zh-TW" altLang="en-US" dirty="0">
+                <a:latin typeface="標楷體" panose="03000509000000000000" pitchFamily="65" charset="-120"/>
+                <a:ea typeface="標楷體" panose="03000509000000000000" pitchFamily="65" charset="-120"/>
+              </a:rPr>
               <a:t>目的</a:t>
             </a:r>
             <a:r>
-              <a:rPr lang="en-US" altLang="zh-TW" dirty="0"/>
+              <a:rPr lang="en-US" altLang="zh-TW" dirty="0">
+                <a:latin typeface="標楷體" panose="03000509000000000000" pitchFamily="65" charset="-120"/>
+                <a:ea typeface="標楷體" panose="03000509000000000000" pitchFamily="65" charset="-120"/>
+              </a:rPr>
               <a:t>:</a:t>
             </a:r>
             <a:r>
-              <a:rPr lang="zh-TW" altLang="en-US" dirty="0"/>
+              <a:rPr lang="zh-TW" altLang="en-US" dirty="0">
+                <a:latin typeface="標楷體" panose="03000509000000000000" pitchFamily="65" charset="-120"/>
+                <a:ea typeface="標楷體" panose="03000509000000000000" pitchFamily="65" charset="-120"/>
+              </a:rPr>
               <a:t> </a:t>
             </a:r>
             <a:r>
-              <a:rPr lang="en-US" altLang="zh-TW" dirty="0"/>
+              <a:rPr lang="en-US" altLang="zh-TW" dirty="0">
+                <a:latin typeface="標楷體" panose="03000509000000000000" pitchFamily="65" charset="-120"/>
+                <a:ea typeface="標楷體" panose="03000509000000000000" pitchFamily="65" charset="-120"/>
+              </a:rPr>
               <a:t>Git</a:t>
             </a:r>
             <a:r>
-              <a:rPr lang="zh-TW" altLang="en-US" dirty="0"/>
+              <a:rPr lang="zh-TW" altLang="en-US" dirty="0">
+                <a:latin typeface="標楷體" panose="03000509000000000000" pitchFamily="65" charset="-120"/>
+                <a:ea typeface="標楷體" panose="03000509000000000000" pitchFamily="65" charset="-120"/>
+              </a:rPr>
               <a:t>基本操作</a:t>
             </a:r>
-            <a:endParaRPr lang="en-US" altLang="zh-TW" dirty="0"/>
-          </a:p>
-          <a:p>
-            <a:endParaRPr lang="en-US" altLang="zh-TW" dirty="0"/>
-          </a:p>
-          <a:p>
-            <a:r>
-              <a:rPr lang="en-US" altLang="zh-TW" dirty="0"/>
+            <a:endParaRPr lang="en-US" altLang="zh-TW" dirty="0">
+              <a:latin typeface="標楷體" panose="03000509000000000000" pitchFamily="65" charset="-120"/>
+              <a:ea typeface="標楷體" panose="03000509000000000000" pitchFamily="65" charset="-120"/>
+            </a:endParaRPr>
+          </a:p>
+          <a:p>
+            <a:endParaRPr lang="en-US" altLang="zh-TW" dirty="0">
+              <a:latin typeface="標楷體" panose="03000509000000000000" pitchFamily="65" charset="-120"/>
+              <a:ea typeface="標楷體" panose="03000509000000000000" pitchFamily="65" charset="-120"/>
+            </a:endParaRPr>
+          </a:p>
+          <a:p>
+            <a:r>
+              <a:rPr lang="en-US" altLang="zh-TW" dirty="0">
+                <a:latin typeface="標楷體" panose="03000509000000000000" pitchFamily="65" charset="-120"/>
+                <a:ea typeface="標楷體" panose="03000509000000000000" pitchFamily="65" charset="-120"/>
+              </a:rPr>
               <a:t>2.</a:t>
             </a:r>
             <a:r>
-              <a:rPr lang="zh-TW" altLang="en-US" dirty="0"/>
-              <a:t>專案請使用</a:t>
-            </a:r>
-            <a:r>
-              <a:rPr lang="en-US" altLang="zh-TW" dirty="0"/>
-              <a:t>angular10 cli </a:t>
-            </a:r>
-            <a:r>
-              <a:rPr lang="zh-TW" altLang="en-US" dirty="0"/>
+              <a:rPr lang="zh-TW" altLang="en-US" dirty="0">
+                <a:latin typeface="標楷體" panose="03000509000000000000" pitchFamily="65" charset="-120"/>
+                <a:ea typeface="標楷體" panose="03000509000000000000" pitchFamily="65" charset="-120"/>
+              </a:rPr>
+              <a:t>畫面</a:t>
+            </a:r>
+            <a:r>
+              <a:rPr lang="en-US" altLang="zh-TW" dirty="0">
+                <a:latin typeface="標楷體" panose="03000509000000000000" pitchFamily="65" charset="-120"/>
+                <a:ea typeface="標楷體" panose="03000509000000000000" pitchFamily="65" charset="-120"/>
+              </a:rPr>
+              <a:t>UI </a:t>
+            </a:r>
+            <a:r>
+              <a:rPr lang="zh-TW" altLang="en-US" dirty="0">
+                <a:latin typeface="標楷體" panose="03000509000000000000" pitchFamily="65" charset="-120"/>
+                <a:ea typeface="標楷體" panose="03000509000000000000" pitchFamily="65" charset="-120"/>
+              </a:rPr>
+              <a:t>請使用</a:t>
+            </a:r>
+            <a:r>
+              <a:rPr lang="en-US" altLang="zh-TW" dirty="0">
+                <a:latin typeface="標楷體" panose="03000509000000000000" pitchFamily="65" charset="-120"/>
+                <a:ea typeface="標楷體" panose="03000509000000000000" pitchFamily="65" charset="-120"/>
+              </a:rPr>
+              <a:t>angular</a:t>
+            </a:r>
+            <a:r>
+              <a:rPr lang="zh-TW" altLang="en-US" dirty="0">
+                <a:latin typeface="標楷體" panose="03000509000000000000" pitchFamily="65" charset="-120"/>
+                <a:ea typeface="標楷體" panose="03000509000000000000" pitchFamily="65" charset="-120"/>
+              </a:rPr>
               <a:t>建立專案</a:t>
             </a:r>
-            <a:endParaRPr lang="en-US" altLang="zh-TW" dirty="0"/>
-          </a:p>
-          <a:p>
-            <a:r>
-              <a:rPr lang="en-US" altLang="zh-TW" dirty="0"/>
+            <a:endParaRPr lang="en-US" altLang="zh-TW" dirty="0">
+              <a:latin typeface="標楷體" panose="03000509000000000000" pitchFamily="65" charset="-120"/>
+              <a:ea typeface="標楷體" panose="03000509000000000000" pitchFamily="65" charset="-120"/>
+            </a:endParaRPr>
+          </a:p>
+          <a:p>
+            <a:r>
+              <a:rPr lang="en-US" altLang="zh-TW" dirty="0">
+                <a:latin typeface="標楷體" panose="03000509000000000000" pitchFamily="65" charset="-120"/>
+                <a:ea typeface="標楷體" panose="03000509000000000000" pitchFamily="65" charset="-120"/>
+              </a:rPr>
               <a:t>	</a:t>
             </a:r>
             <a:r>
-              <a:rPr lang="zh-TW" altLang="en-US" dirty="0"/>
+              <a:rPr lang="zh-TW" altLang="en-US" dirty="0">
+                <a:latin typeface="標楷體" panose="03000509000000000000" pitchFamily="65" charset="-120"/>
+                <a:ea typeface="標楷體" panose="03000509000000000000" pitchFamily="65" charset="-120"/>
+              </a:rPr>
               <a:t>目的</a:t>
             </a:r>
             <a:r>
-              <a:rPr lang="en-US" altLang="zh-TW" dirty="0"/>
+              <a:rPr lang="en-US" altLang="zh-TW" dirty="0">
+                <a:latin typeface="標楷體" panose="03000509000000000000" pitchFamily="65" charset="-120"/>
+                <a:ea typeface="標楷體" panose="03000509000000000000" pitchFamily="65" charset="-120"/>
+              </a:rPr>
               <a:t>:</a:t>
             </a:r>
             <a:r>
-              <a:rPr lang="zh-TW" altLang="en-US" dirty="0"/>
+              <a:rPr lang="zh-TW" altLang="en-US" dirty="0">
+                <a:latin typeface="標楷體" panose="03000509000000000000" pitchFamily="65" charset="-120"/>
+                <a:ea typeface="標楷體" panose="03000509000000000000" pitchFamily="65" charset="-120"/>
+              </a:rPr>
               <a:t>基本</a:t>
             </a:r>
             <a:r>
-              <a:rPr lang="en-US" altLang="zh-TW" dirty="0"/>
+              <a:rPr lang="en-US" altLang="zh-TW" dirty="0">
+                <a:latin typeface="標楷體" panose="03000509000000000000" pitchFamily="65" charset="-120"/>
+                <a:ea typeface="標楷體" panose="03000509000000000000" pitchFamily="65" charset="-120"/>
+              </a:rPr>
               <a:t>Angular </a:t>
             </a:r>
             <a:r>
-              <a:rPr lang="zh-TW" altLang="en-US" dirty="0"/>
+              <a:rPr lang="zh-TW" altLang="en-US" dirty="0">
+                <a:latin typeface="標楷體" panose="03000509000000000000" pitchFamily="65" charset="-120"/>
+                <a:ea typeface="標楷體" panose="03000509000000000000" pitchFamily="65" charset="-120"/>
+              </a:rPr>
               <a:t>實作</a:t>
             </a:r>
-            <a:endParaRPr lang="en-US" altLang="zh-TW" dirty="0"/>
-          </a:p>
-          <a:p>
-            <a:endParaRPr lang="en-US" altLang="zh-TW" dirty="0"/>
-          </a:p>
-          <a:p>
-            <a:r>
-              <a:rPr lang="en-US" altLang="zh-TW" dirty="0"/>
+            <a:endParaRPr lang="en-US" altLang="zh-TW" dirty="0">
+              <a:latin typeface="標楷體" panose="03000509000000000000" pitchFamily="65" charset="-120"/>
+              <a:ea typeface="標楷體" panose="03000509000000000000" pitchFamily="65" charset="-120"/>
+            </a:endParaRPr>
+          </a:p>
+          <a:p>
+            <a:endParaRPr lang="en-US" altLang="zh-TW" dirty="0">
+              <a:latin typeface="標楷體" panose="03000509000000000000" pitchFamily="65" charset="-120"/>
+              <a:ea typeface="標楷體" panose="03000509000000000000" pitchFamily="65" charset="-120"/>
+            </a:endParaRPr>
+          </a:p>
+          <a:p>
+            <a:r>
+              <a:rPr lang="en-US" altLang="zh-TW" dirty="0">
+                <a:latin typeface="標楷體" panose="03000509000000000000" pitchFamily="65" charset="-120"/>
+                <a:ea typeface="標楷體" panose="03000509000000000000" pitchFamily="65" charset="-120"/>
+              </a:rPr>
               <a:t>3.</a:t>
             </a:r>
             <a:r>
-              <a:rPr lang="zh-TW" altLang="en-US" dirty="0"/>
+              <a:rPr lang="zh-TW" altLang="en-US" dirty="0">
+                <a:latin typeface="標楷體" panose="03000509000000000000" pitchFamily="65" charset="-120"/>
+                <a:ea typeface="標楷體" panose="03000509000000000000" pitchFamily="65" charset="-120"/>
+              </a:rPr>
               <a:t>使用 </a:t>
             </a:r>
             <a:r>
-              <a:rPr lang="en-US" altLang="zh-TW" dirty="0"/>
+              <a:rPr lang="en-US" altLang="zh-TW" dirty="0">
+                <a:latin typeface="標楷體" panose="03000509000000000000" pitchFamily="65" charset="-120"/>
+                <a:ea typeface="標楷體" panose="03000509000000000000" pitchFamily="65" charset="-120"/>
+              </a:rPr>
               <a:t>bootstrap</a:t>
             </a:r>
             <a:r>
-              <a:rPr lang="zh-TW" altLang="en-US" dirty="0"/>
+              <a:rPr lang="zh-TW" altLang="en-US" dirty="0">
+                <a:latin typeface="標楷體" panose="03000509000000000000" pitchFamily="65" charset="-120"/>
+                <a:ea typeface="標楷體" panose="03000509000000000000" pitchFamily="65" charset="-120"/>
+              </a:rPr>
               <a:t>或</a:t>
             </a:r>
             <a:r>
-              <a:rPr lang="en-US" altLang="zh-TW" dirty="0"/>
+              <a:rPr lang="en-US" altLang="zh-TW" dirty="0">
+                <a:latin typeface="標楷體" panose="03000509000000000000" pitchFamily="65" charset="-120"/>
+                <a:ea typeface="標楷體" panose="03000509000000000000" pitchFamily="65" charset="-120"/>
+              </a:rPr>
               <a:t>ant-design </a:t>
             </a:r>
             <a:r>
-              <a:rPr lang="zh-TW" altLang="en-US" dirty="0"/>
+              <a:rPr lang="zh-TW" altLang="en-US" dirty="0">
+                <a:latin typeface="標楷體" panose="03000509000000000000" pitchFamily="65" charset="-120"/>
+                <a:ea typeface="標楷體" panose="03000509000000000000" pitchFamily="65" charset="-120"/>
+              </a:rPr>
               <a:t>做</a:t>
             </a:r>
             <a:r>
-              <a:rPr lang="en-US" altLang="zh-TW" dirty="0"/>
+              <a:rPr lang="en-US" altLang="zh-TW" dirty="0">
+                <a:latin typeface="標楷體" panose="03000509000000000000" pitchFamily="65" charset="-120"/>
+                <a:ea typeface="標楷體" panose="03000509000000000000" pitchFamily="65" charset="-120"/>
+              </a:rPr>
               <a:t>Grid System</a:t>
             </a:r>
           </a:p>
           <a:p>
             <a:r>
-              <a:rPr lang="en-US" altLang="zh-TW" dirty="0"/>
+              <a:rPr lang="en-US" altLang="zh-TW" dirty="0">
+                <a:latin typeface="標楷體" panose="03000509000000000000" pitchFamily="65" charset="-120"/>
+                <a:ea typeface="標楷體" panose="03000509000000000000" pitchFamily="65" charset="-120"/>
+              </a:rPr>
               <a:t>	</a:t>
             </a:r>
             <a:r>
-              <a:rPr lang="zh-TW" altLang="en-US" dirty="0"/>
+              <a:rPr lang="zh-TW" altLang="en-US" dirty="0">
+                <a:latin typeface="標楷體" panose="03000509000000000000" pitchFamily="65" charset="-120"/>
+                <a:ea typeface="標楷體" panose="03000509000000000000" pitchFamily="65" charset="-120"/>
+              </a:rPr>
               <a:t>目的</a:t>
             </a:r>
             <a:r>
-              <a:rPr lang="en-US" altLang="zh-TW" dirty="0"/>
+              <a:rPr lang="en-US" altLang="zh-TW" dirty="0">
+                <a:latin typeface="標楷體" panose="03000509000000000000" pitchFamily="65" charset="-120"/>
+                <a:ea typeface="標楷體" panose="03000509000000000000" pitchFamily="65" charset="-120"/>
+              </a:rPr>
               <a:t>:</a:t>
             </a:r>
             <a:r>
-              <a:rPr lang="zh-TW" altLang="en-US" dirty="0"/>
+              <a:rPr lang="zh-TW" altLang="en-US" dirty="0">
+                <a:latin typeface="標楷體" panose="03000509000000000000" pitchFamily="65" charset="-120"/>
+                <a:ea typeface="標楷體" panose="03000509000000000000" pitchFamily="65" charset="-120"/>
+              </a:rPr>
               <a:t>基本</a:t>
             </a:r>
             <a:r>
-              <a:rPr lang="en-US" altLang="zh-TW" dirty="0"/>
+              <a:rPr lang="en-US" altLang="zh-TW" dirty="0">
+                <a:latin typeface="標楷體" panose="03000509000000000000" pitchFamily="65" charset="-120"/>
+                <a:ea typeface="標楷體" panose="03000509000000000000" pitchFamily="65" charset="-120"/>
+              </a:rPr>
               <a:t>RWD </a:t>
             </a:r>
             <a:r>
-              <a:rPr lang="zh-TW" altLang="en-US" dirty="0"/>
+              <a:rPr lang="zh-TW" altLang="en-US" dirty="0">
+                <a:latin typeface="標楷體" panose="03000509000000000000" pitchFamily="65" charset="-120"/>
+                <a:ea typeface="標楷體" panose="03000509000000000000" pitchFamily="65" charset="-120"/>
+              </a:rPr>
               <a:t>實作</a:t>
             </a:r>
-            <a:endParaRPr lang="en-US" altLang="zh-TW" dirty="0"/>
-          </a:p>
-          <a:p>
-            <a:endParaRPr lang="en-US" altLang="zh-TW" dirty="0"/>
-          </a:p>
-          <a:p>
-            <a:r>
-              <a:rPr lang="en-US" altLang="zh-TW" dirty="0"/>
+            <a:endParaRPr lang="en-US" altLang="zh-TW" dirty="0">
+              <a:latin typeface="標楷體" panose="03000509000000000000" pitchFamily="65" charset="-120"/>
+              <a:ea typeface="標楷體" panose="03000509000000000000" pitchFamily="65" charset="-120"/>
+            </a:endParaRPr>
+          </a:p>
+          <a:p>
+            <a:endParaRPr lang="en-US" altLang="zh-TW" dirty="0">
+              <a:latin typeface="標楷體" panose="03000509000000000000" pitchFamily="65" charset="-120"/>
+              <a:ea typeface="標楷體" panose="03000509000000000000" pitchFamily="65" charset="-120"/>
+            </a:endParaRPr>
+          </a:p>
+          <a:p>
+            <a:r>
+              <a:rPr lang="en-US" altLang="zh-TW" dirty="0">
+                <a:latin typeface="標楷體" panose="03000509000000000000" pitchFamily="65" charset="-120"/>
+                <a:ea typeface="標楷體" panose="03000509000000000000" pitchFamily="65" charset="-120"/>
+              </a:rPr>
               <a:t>4.</a:t>
             </a:r>
             <a:r>
-              <a:rPr lang="zh-TW" altLang="en-US" dirty="0"/>
+              <a:rPr lang="zh-TW" altLang="en-US" dirty="0">
+                <a:latin typeface="標楷體" panose="03000509000000000000" pitchFamily="65" charset="-120"/>
+                <a:ea typeface="標楷體" panose="03000509000000000000" pitchFamily="65" charset="-120"/>
+              </a:rPr>
               <a:t>題庫</a:t>
             </a:r>
             <a:r>
-              <a:rPr lang="en-US" altLang="zh-TW" dirty="0"/>
+              <a:rPr lang="en-US" altLang="zh-TW" dirty="0">
+                <a:latin typeface="標楷體" panose="03000509000000000000" pitchFamily="65" charset="-120"/>
+                <a:ea typeface="標楷體" panose="03000509000000000000" pitchFamily="65" charset="-120"/>
+              </a:rPr>
               <a:t>API: </a:t>
             </a:r>
             <a:r>
+              <a:rPr lang="zh-TW" altLang="en-US" dirty="0">
+                <a:latin typeface="標楷體" panose="03000509000000000000" pitchFamily="65" charset="-120"/>
+                <a:ea typeface="標楷體" panose="03000509000000000000" pitchFamily="65" charset="-120"/>
+              </a:rPr>
+              <a:t>可利用本專案提供之</a:t>
+            </a:r>
+            <a:r>
               <a:rPr lang="en-US" altLang="zh-TW" dirty="0">
+                <a:latin typeface="標楷體" panose="03000509000000000000" pitchFamily="65" charset="-120"/>
+                <a:ea typeface="標楷體" panose="03000509000000000000" pitchFamily="65" charset="-120"/>
+              </a:rPr>
+              <a:t>Demo</a:t>
+            </a:r>
+            <a:r>
+              <a:rPr lang="zh-TW" altLang="en-US" dirty="0">
+                <a:latin typeface="標楷體" panose="03000509000000000000" pitchFamily="65" charset="-120"/>
+                <a:ea typeface="標楷體" panose="03000509000000000000" pitchFamily="65" charset="-120"/>
+              </a:rPr>
+              <a:t>建立</a:t>
+            </a:r>
+            <a:r>
+              <a:rPr lang="en-US" altLang="zh-TW" dirty="0" err="1">
+                <a:latin typeface="標楷體" panose="03000509000000000000" pitchFamily="65" charset="-120"/>
+                <a:ea typeface="標楷體" panose="03000509000000000000" pitchFamily="65" charset="-120"/>
+              </a:rPr>
+              <a:t>Api</a:t>
+            </a:r>
+            <a:endParaRPr lang="en-US" altLang="zh-TW" dirty="0">
+              <a:latin typeface="標楷體" panose="03000509000000000000" pitchFamily="65" charset="-120"/>
+              <a:ea typeface="標楷體" panose="03000509000000000000" pitchFamily="65" charset="-120"/>
+            </a:endParaRPr>
+          </a:p>
+          <a:p>
+            <a:endParaRPr lang="en-US" altLang="zh-TW" dirty="0">
+              <a:latin typeface="標楷體" panose="03000509000000000000" pitchFamily="65" charset="-120"/>
+              <a:ea typeface="標楷體" panose="03000509000000000000" pitchFamily="65" charset="-120"/>
+            </a:endParaRPr>
+          </a:p>
+          <a:p>
+            <a:r>
+              <a:rPr lang="en-US" altLang="zh-TW" dirty="0">
+                <a:latin typeface="標楷體" panose="03000509000000000000" pitchFamily="65" charset="-120"/>
+                <a:ea typeface="標楷體" panose="03000509000000000000" pitchFamily="65" charset="-120"/>
+              </a:rPr>
+              <a:t>5.</a:t>
+            </a:r>
+            <a:r>
+              <a:rPr lang="zh-TW" altLang="en-US" dirty="0">
+                <a:latin typeface="標楷體" panose="03000509000000000000" pitchFamily="65" charset="-120"/>
+                <a:ea typeface="標楷體" panose="03000509000000000000" pitchFamily="65" charset="-120"/>
+              </a:rPr>
+              <a:t>請讀</a:t>
+            </a:r>
+            <a:r>
+              <a:rPr lang="zh-TW" altLang="en-US" dirty="0">
+                <a:latin typeface="標楷體" panose="03000509000000000000" pitchFamily="65" charset="-120"/>
+                <a:ea typeface="標楷體" panose="03000509000000000000" pitchFamily="65" charset="-120"/>
                 <a:hlinkClick r:id="rId2"/>
               </a:rPr>
-              <a:t>https://run.mocky.io/v3/dcb8d376-1dd1-48f7-91cc-3acef554aee9</a:t>
-            </a:r>
-            <a:endParaRPr lang="en-US" altLang="zh-TW" dirty="0"/>
-          </a:p>
-          <a:p>
-            <a:endParaRPr lang="en-US" altLang="zh-TW" dirty="0"/>
-          </a:p>
-          <a:p>
-            <a:r>
-              <a:rPr lang="zh-TW" altLang="en-US" dirty="0"/>
-              <a:t>註</a:t>
-            </a:r>
-            <a:r>
-              <a:rPr lang="en-US" altLang="zh-TW" dirty="0"/>
-              <a:t>:</a:t>
-            </a:r>
-            <a:r>
-              <a:rPr lang="zh-TW" altLang="en-US" dirty="0"/>
-              <a:t>美術部分不需考慮</a:t>
-            </a:r>
-            <a:endParaRPr lang="en-US" altLang="zh-TW" dirty="0"/>
-          </a:p>
-          <a:p>
-            <a:endParaRPr lang="en-US" altLang="zh-TW" dirty="0"/>
-          </a:p>
-          <a:p>
-            <a:r>
-              <a:rPr lang="en-US" altLang="zh-TW" dirty="0"/>
-              <a:t>5.</a:t>
-            </a:r>
-            <a:r>
-              <a:rPr lang="zh-TW" altLang="en-US" dirty="0"/>
+              <a:t>文件</a:t>
+            </a:r>
+            <a:r>
+              <a:rPr lang="zh-TW" altLang="en-US" dirty="0">
+                <a:latin typeface="標楷體" panose="03000509000000000000" pitchFamily="65" charset="-120"/>
+                <a:ea typeface="標楷體" panose="03000509000000000000" pitchFamily="65" charset="-120"/>
+              </a:rPr>
+              <a:t> ，此部分有介紹</a:t>
+            </a:r>
+            <a:r>
+              <a:rPr lang="en-US" altLang="zh-TW" dirty="0" err="1">
+                <a:latin typeface="標楷體" panose="03000509000000000000" pitchFamily="65" charset="-120"/>
+                <a:ea typeface="標楷體" panose="03000509000000000000" pitchFamily="65" charset="-120"/>
+              </a:rPr>
+              <a:t>Api</a:t>
+            </a:r>
+            <a:r>
+              <a:rPr lang="zh-TW" altLang="en-US" dirty="0">
+                <a:latin typeface="標楷體" panose="03000509000000000000" pitchFamily="65" charset="-120"/>
+                <a:ea typeface="標楷體" panose="03000509000000000000" pitchFamily="65" charset="-120"/>
+              </a:rPr>
+              <a:t>建立方式</a:t>
+            </a:r>
+            <a:r>
+              <a:rPr lang="en-US" altLang="zh-TW" dirty="0">
+                <a:latin typeface="標楷體" panose="03000509000000000000" pitchFamily="65" charset="-120"/>
+                <a:ea typeface="標楷體" panose="03000509000000000000" pitchFamily="65" charset="-120"/>
+              </a:rPr>
+              <a:t> </a:t>
+            </a:r>
+            <a:r>
+              <a:rPr lang="zh-TW" altLang="en-US" dirty="0">
+                <a:latin typeface="標楷體" panose="03000509000000000000" pitchFamily="65" charset="-120"/>
+                <a:ea typeface="標楷體" panose="03000509000000000000" pitchFamily="65" charset="-120"/>
+              </a:rPr>
+              <a:t>及專案基本架構說明，美術部分不需考慮</a:t>
+            </a:r>
+            <a:endParaRPr lang="en-US" altLang="zh-TW" dirty="0">
+              <a:latin typeface="標楷體" panose="03000509000000000000" pitchFamily="65" charset="-120"/>
+              <a:ea typeface="標楷體" panose="03000509000000000000" pitchFamily="65" charset="-120"/>
+            </a:endParaRPr>
+          </a:p>
+          <a:p>
+            <a:endParaRPr lang="en-US" altLang="zh-TW" dirty="0">
+              <a:latin typeface="標楷體" panose="03000509000000000000" pitchFamily="65" charset="-120"/>
+              <a:ea typeface="標楷體" panose="03000509000000000000" pitchFamily="65" charset="-120"/>
+            </a:endParaRPr>
+          </a:p>
+          <a:p>
+            <a:r>
+              <a:rPr lang="en-US" altLang="zh-TW" dirty="0">
+                <a:latin typeface="標楷體" panose="03000509000000000000" pitchFamily="65" charset="-120"/>
+                <a:ea typeface="標楷體" panose="03000509000000000000" pitchFamily="65" charset="-120"/>
+              </a:rPr>
+              <a:t>6.</a:t>
+            </a:r>
+            <a:r>
+              <a:rPr lang="zh-TW" altLang="en-US" dirty="0">
+                <a:latin typeface="標楷體" panose="03000509000000000000" pitchFamily="65" charset="-120"/>
+                <a:ea typeface="標楷體" panose="03000509000000000000" pitchFamily="65" charset="-120"/>
+              </a:rPr>
               <a:t>加分項目</a:t>
             </a:r>
-            <a:endParaRPr lang="en-US" altLang="zh-TW" dirty="0"/>
-          </a:p>
-          <a:p>
-            <a:r>
-              <a:rPr lang="en-US" altLang="zh-TW" dirty="0"/>
+            <a:endParaRPr lang="en-US" altLang="zh-TW" dirty="0">
+              <a:latin typeface="標楷體" panose="03000509000000000000" pitchFamily="65" charset="-120"/>
+              <a:ea typeface="標楷體" panose="03000509000000000000" pitchFamily="65" charset="-120"/>
+            </a:endParaRPr>
+          </a:p>
+          <a:p>
+            <a:r>
+              <a:rPr lang="en-US" altLang="zh-TW" dirty="0">
+                <a:latin typeface="標楷體" panose="03000509000000000000" pitchFamily="65" charset="-120"/>
+                <a:ea typeface="標楷體" panose="03000509000000000000" pitchFamily="65" charset="-120"/>
+              </a:rPr>
+              <a:t>	CI/CD</a:t>
+            </a:r>
+            <a:r>
+              <a:rPr lang="zh-TW" altLang="en-US" dirty="0">
+                <a:latin typeface="標楷體" panose="03000509000000000000" pitchFamily="65" charset="-120"/>
+                <a:ea typeface="標楷體" panose="03000509000000000000" pitchFamily="65" charset="-120"/>
+              </a:rPr>
+              <a:t>經驗</a:t>
+            </a:r>
+            <a:endParaRPr lang="en-US" altLang="zh-TW" dirty="0">
+              <a:latin typeface="標楷體" panose="03000509000000000000" pitchFamily="65" charset="-120"/>
+              <a:ea typeface="標楷體" panose="03000509000000000000" pitchFamily="65" charset="-120"/>
+            </a:endParaRPr>
+          </a:p>
+          <a:p>
+            <a:r>
+              <a:rPr lang="en-US" altLang="zh-TW" dirty="0">
+                <a:latin typeface="標楷體" panose="03000509000000000000" pitchFamily="65" charset="-120"/>
+                <a:ea typeface="標楷體" panose="03000509000000000000" pitchFamily="65" charset="-120"/>
+              </a:rPr>
               <a:t>	</a:t>
             </a:r>
             <a:r>
-              <a:rPr lang="zh-TW" altLang="en-US" dirty="0"/>
-              <a:t>使用 </a:t>
-            </a:r>
-            <a:r>
-              <a:rPr lang="en-US" altLang="zh-TW" dirty="0"/>
-              <a:t>ant-design </a:t>
-            </a:r>
-            <a:r>
-              <a:rPr lang="zh-TW" altLang="en-US" dirty="0"/>
-              <a:t>排版</a:t>
-            </a:r>
-            <a:endParaRPr lang="en-US" altLang="zh-TW" dirty="0"/>
-          </a:p>
-          <a:p>
-            <a:r>
-              <a:rPr lang="en-US" altLang="zh-TW" dirty="0"/>
-              <a:t>         </a:t>
-            </a:r>
-            <a:r>
-              <a:rPr lang="zh-TW" altLang="en-US" dirty="0"/>
-              <a:t>建立</a:t>
-            </a:r>
-            <a:r>
-              <a:rPr lang="en-US" altLang="zh-TW" dirty="0"/>
-              <a:t>Web </a:t>
-            </a:r>
-            <a:r>
-              <a:rPr lang="en-US" altLang="zh-TW" dirty="0" err="1"/>
+              <a:rPr lang="zh-TW" altLang="en-US" dirty="0">
+                <a:latin typeface="標楷體" panose="03000509000000000000" pitchFamily="65" charset="-120"/>
+                <a:ea typeface="標楷體" panose="03000509000000000000" pitchFamily="65" charset="-120"/>
+              </a:rPr>
+              <a:t>於</a:t>
+            </a:r>
+            <a:r>
+              <a:rPr lang="en-US" altLang="zh-TW" dirty="0">
+                <a:latin typeface="標楷體" panose="03000509000000000000" pitchFamily="65" charset="-120"/>
+                <a:ea typeface="標楷體" panose="03000509000000000000" pitchFamily="65" charset="-120"/>
+              </a:rPr>
+              <a:t>GitHub</a:t>
+            </a:r>
+            <a:r>
+              <a:rPr lang="zh-TW" altLang="en-US" dirty="0">
+                <a:latin typeface="標楷體" panose="03000509000000000000" pitchFamily="65" charset="-120"/>
+                <a:ea typeface="標楷體" panose="03000509000000000000" pitchFamily="65" charset="-120"/>
+              </a:rPr>
+              <a:t> 開源專案上貢獻程式碼</a:t>
+            </a:r>
+            <a:endParaRPr lang="en-US" altLang="zh-TW" dirty="0">
+              <a:latin typeface="標楷體" panose="03000509000000000000" pitchFamily="65" charset="-120"/>
+              <a:ea typeface="標楷體" panose="03000509000000000000" pitchFamily="65" charset="-120"/>
+            </a:endParaRPr>
+          </a:p>
+          <a:p>
+            <a:r>
+              <a:rPr lang="en-US" altLang="zh-TW" dirty="0">
+                <a:latin typeface="標楷體" panose="03000509000000000000" pitchFamily="65" charset="-120"/>
+                <a:ea typeface="標楷體" panose="03000509000000000000" pitchFamily="65" charset="-120"/>
+              </a:rPr>
+              <a:t>	</a:t>
+            </a:r>
+            <a:r>
+              <a:rPr lang="zh-TW" altLang="en-US" dirty="0">
+                <a:latin typeface="標楷體" panose="03000509000000000000" pitchFamily="65" charset="-120"/>
+                <a:ea typeface="標楷體" panose="03000509000000000000" pitchFamily="65" charset="-120"/>
+              </a:rPr>
+              <a:t>使用過</a:t>
+            </a:r>
+            <a:r>
+              <a:rPr lang="en-US" altLang="zh-TW" dirty="0">
+                <a:latin typeface="標楷體" panose="03000509000000000000" pitchFamily="65" charset="-120"/>
+                <a:ea typeface="標楷體" panose="03000509000000000000" pitchFamily="65" charset="-120"/>
+              </a:rPr>
+              <a:t>electron </a:t>
+            </a:r>
+            <a:r>
+              <a:rPr lang="zh-TW" altLang="en-US" dirty="0">
+                <a:latin typeface="標楷體" panose="03000509000000000000" pitchFamily="65" charset="-120"/>
+                <a:ea typeface="標楷體" panose="03000509000000000000" pitchFamily="65" charset="-120"/>
+              </a:rPr>
+              <a:t>專案</a:t>
+            </a:r>
+            <a:endParaRPr lang="en-US" altLang="zh-TW" dirty="0">
+              <a:latin typeface="標楷體" panose="03000509000000000000" pitchFamily="65" charset="-120"/>
+              <a:ea typeface="標楷體" panose="03000509000000000000" pitchFamily="65" charset="-120"/>
+            </a:endParaRPr>
+          </a:p>
+          <a:p>
+            <a:r>
+              <a:rPr lang="en-US" altLang="zh-TW" dirty="0">
+                <a:latin typeface="標楷體" panose="03000509000000000000" pitchFamily="65" charset="-120"/>
+                <a:ea typeface="標楷體" panose="03000509000000000000" pitchFamily="65" charset="-120"/>
+              </a:rPr>
+              <a:t>	</a:t>
+            </a:r>
+            <a:r>
+              <a:rPr lang="zh-TW" altLang="en-US" dirty="0">
+                <a:latin typeface="標楷體" panose="03000509000000000000" pitchFamily="65" charset="-120"/>
+                <a:ea typeface="標楷體" panose="03000509000000000000" pitchFamily="65" charset="-120"/>
+              </a:rPr>
+              <a:t>使用過</a:t>
+            </a:r>
+            <a:r>
+              <a:rPr lang="en-US" altLang="zh-TW" dirty="0" err="1">
+                <a:latin typeface="標楷體" panose="03000509000000000000" pitchFamily="65" charset="-120"/>
+                <a:ea typeface="標楷體" panose="03000509000000000000" pitchFamily="65" charset="-120"/>
+              </a:rPr>
+              <a:t>Blazor</a:t>
+            </a:r>
+            <a:r>
+              <a:rPr lang="en-US" altLang="zh-TW" dirty="0">
+                <a:latin typeface="標楷體" panose="03000509000000000000" pitchFamily="65" charset="-120"/>
+                <a:ea typeface="標楷體" panose="03000509000000000000" pitchFamily="65" charset="-120"/>
+              </a:rPr>
+              <a:t> </a:t>
+            </a:r>
+            <a:r>
+              <a:rPr lang="zh-TW" altLang="en-US" dirty="0">
+                <a:latin typeface="標楷體" panose="03000509000000000000" pitchFamily="65" charset="-120"/>
+                <a:ea typeface="標楷體" panose="03000509000000000000" pitchFamily="65" charset="-120"/>
+              </a:rPr>
+              <a:t>或 </a:t>
+            </a:r>
+            <a:r>
+              <a:rPr lang="en-US" altLang="zh-TW" dirty="0" err="1">
+                <a:latin typeface="標楷體" panose="03000509000000000000" pitchFamily="65" charset="-120"/>
+                <a:ea typeface="標楷體" panose="03000509000000000000" pitchFamily="65" charset="-120"/>
+              </a:rPr>
+              <a:t>Xarmin</a:t>
+            </a:r>
+            <a:endParaRPr lang="en-US" altLang="zh-TW" dirty="0">
+              <a:latin typeface="標楷體" panose="03000509000000000000" pitchFamily="65" charset="-120"/>
+              <a:ea typeface="標楷體" panose="03000509000000000000" pitchFamily="65" charset="-120"/>
+            </a:endParaRPr>
+          </a:p>
+          <a:p>
+            <a:r>
+              <a:rPr lang="zh-TW" altLang="en-US" dirty="0">
+                <a:latin typeface="標楷體" panose="03000509000000000000" pitchFamily="65" charset="-120"/>
+                <a:ea typeface="標楷體" panose="03000509000000000000" pitchFamily="65" charset="-120"/>
+              </a:rPr>
+              <a:t>         根據本項目建立流程圖、</a:t>
+            </a:r>
+            <a:r>
+              <a:rPr lang="en-US" altLang="zh-TW" dirty="0" err="1">
+                <a:latin typeface="標楷體" panose="03000509000000000000" pitchFamily="65" charset="-120"/>
+                <a:ea typeface="標楷體" panose="03000509000000000000" pitchFamily="65" charset="-120"/>
+              </a:rPr>
               <a:t>Api</a:t>
             </a:r>
             <a:r>
-              <a:rPr lang="zh-TW" altLang="en-US" dirty="0"/>
-              <a:t> 讀取題庫</a:t>
-            </a:r>
-            <a:endParaRPr lang="en-US" altLang="zh-TW" dirty="0"/>
-          </a:p>
-          <a:p>
-            <a:r>
-              <a:rPr lang="en-US" altLang="zh-TW" dirty="0"/>
-              <a:t>	CI/CD</a:t>
-            </a:r>
-            <a:r>
-              <a:rPr lang="zh-TW" altLang="en-US" dirty="0"/>
-              <a:t>經驗</a:t>
-            </a:r>
-            <a:endParaRPr lang="en-US" altLang="zh-TW" dirty="0"/>
-          </a:p>
-          <a:p>
-            <a:r>
-              <a:rPr lang="en-US" altLang="zh-TW" dirty="0"/>
-              <a:t>	</a:t>
-            </a:r>
-            <a:r>
-              <a:rPr lang="zh-TW" altLang="en-US" dirty="0"/>
-              <a:t>於</a:t>
-            </a:r>
-            <a:r>
-              <a:rPr lang="en-US" altLang="zh-TW" dirty="0"/>
-              <a:t>GitHub</a:t>
-            </a:r>
-            <a:r>
-              <a:rPr lang="zh-TW" altLang="en-US" dirty="0"/>
-              <a:t> 開源專案上貢獻程式碼</a:t>
-            </a:r>
-            <a:endParaRPr lang="en-US" altLang="zh-TW" dirty="0"/>
-          </a:p>
-          <a:p>
-            <a:r>
-              <a:rPr lang="en-US" altLang="zh-TW" dirty="0"/>
-              <a:t>	</a:t>
-            </a:r>
-            <a:r>
-              <a:rPr lang="zh-TW" altLang="en-US" dirty="0"/>
-              <a:t>使用過</a:t>
-            </a:r>
-            <a:r>
-              <a:rPr lang="en-US" altLang="zh-TW" dirty="0"/>
-              <a:t>electron </a:t>
-            </a:r>
-            <a:r>
-              <a:rPr lang="zh-TW" altLang="en-US" dirty="0"/>
-              <a:t>專案</a:t>
-            </a:r>
-            <a:endParaRPr lang="en-US" altLang="zh-TW" dirty="0"/>
-          </a:p>
-          <a:p>
-            <a:r>
-              <a:rPr lang="en-US" altLang="zh-TW" dirty="0"/>
-              <a:t>	</a:t>
-            </a:r>
-            <a:r>
-              <a:rPr lang="zh-TW" altLang="en-US" dirty="0"/>
-              <a:t>使用過</a:t>
-            </a:r>
-            <a:r>
-              <a:rPr lang="en-US" altLang="zh-TW" dirty="0" err="1"/>
-              <a:t>Blazor</a:t>
-            </a:r>
-            <a:r>
-              <a:rPr lang="en-US" altLang="zh-TW" dirty="0"/>
-              <a:t> </a:t>
-            </a:r>
-            <a:r>
-              <a:rPr lang="zh-TW" altLang="en-US" dirty="0"/>
-              <a:t>或 </a:t>
-            </a:r>
-            <a:r>
-              <a:rPr lang="en-US" altLang="zh-TW" dirty="0" err="1"/>
-              <a:t>Xarmin</a:t>
-            </a:r>
-            <a:endParaRPr lang="en-US" altLang="zh-TW" dirty="0"/>
-          </a:p>
-          <a:p>
-            <a:endParaRPr lang="en-US" altLang="zh-TW" dirty="0"/>
-          </a:p>
-          <a:p>
-            <a:endParaRPr lang="en-US" altLang="zh-TW" dirty="0"/>
-          </a:p>
-          <a:p>
-            <a:endParaRPr lang="en-US" altLang="zh-TW" dirty="0"/>
-          </a:p>
-          <a:p>
-            <a:endParaRPr lang="zh-TW" altLang="en-US" dirty="0"/>
+              <a:rPr lang="zh-TW" altLang="en-US" dirty="0">
+                <a:latin typeface="標楷體" panose="03000509000000000000" pitchFamily="65" charset="-120"/>
+                <a:ea typeface="標楷體" panose="03000509000000000000" pitchFamily="65" charset="-120"/>
+              </a:rPr>
+              <a:t>規格文件</a:t>
+            </a:r>
+            <a:r>
+              <a:rPr lang="en-US" altLang="zh-TW" dirty="0">
+                <a:latin typeface="標楷體" panose="03000509000000000000" pitchFamily="65" charset="-120"/>
+                <a:ea typeface="標楷體" panose="03000509000000000000" pitchFamily="65" charset="-120"/>
+              </a:rPr>
+              <a:t>…</a:t>
+            </a:r>
+            <a:r>
+              <a:rPr lang="zh-TW" altLang="en-US" dirty="0">
+                <a:latin typeface="標楷體" panose="03000509000000000000" pitchFamily="65" charset="-120"/>
+                <a:ea typeface="標楷體" panose="03000509000000000000" pitchFamily="65" charset="-120"/>
+              </a:rPr>
+              <a:t>等</a:t>
+            </a:r>
+            <a:endParaRPr lang="en-US" altLang="zh-TW" dirty="0">
+              <a:latin typeface="標楷體" panose="03000509000000000000" pitchFamily="65" charset="-120"/>
+              <a:ea typeface="標楷體" panose="03000509000000000000" pitchFamily="65" charset="-120"/>
+            </a:endParaRPr>
           </a:p>
         </p:txBody>
       </p:sp>
@@ -15170,50 +15497,86 @@
               <a:buNone/>
             </a:pPr>
             <a:r>
-              <a:rPr lang="zh-TW" altLang="en-US" dirty="0"/>
+              <a:rPr lang="zh-TW" altLang="en-US" dirty="0">
+                <a:latin typeface="標楷體" panose="03000509000000000000" pitchFamily="65" charset="-120"/>
+                <a:ea typeface="標楷體" panose="03000509000000000000" pitchFamily="65" charset="-120"/>
+              </a:rPr>
               <a:t>功能情境</a:t>
             </a:r>
             <a:r>
-              <a:rPr lang="en-US" altLang="zh-TW" dirty="0"/>
+              <a:rPr lang="en-US" altLang="zh-TW" dirty="0">
+                <a:latin typeface="標楷體" panose="03000509000000000000" pitchFamily="65" charset="-120"/>
+                <a:ea typeface="標楷體" panose="03000509000000000000" pitchFamily="65" charset="-120"/>
+              </a:rPr>
               <a:t>:</a:t>
             </a:r>
             <a:br>
-              <a:rPr lang="en-US" altLang="zh-TW" dirty="0"/>
+              <a:rPr lang="en-US" altLang="zh-TW" dirty="0">
+                <a:latin typeface="標楷體" panose="03000509000000000000" pitchFamily="65" charset="-120"/>
+                <a:ea typeface="標楷體" panose="03000509000000000000" pitchFamily="65" charset="-120"/>
+              </a:rPr>
             </a:br>
             <a:r>
-              <a:rPr lang="zh-TW" altLang="en-US" dirty="0"/>
+              <a:rPr lang="zh-TW" altLang="en-US" dirty="0">
+                <a:latin typeface="標楷體" panose="03000509000000000000" pitchFamily="65" charset="-120"/>
+                <a:ea typeface="標楷體" panose="03000509000000000000" pitchFamily="65" charset="-120"/>
+              </a:rPr>
               <a:t>使用者點選</a:t>
             </a:r>
             <a:r>
-              <a:rPr lang="en-US" altLang="zh-TW" dirty="0"/>
+              <a:rPr lang="en-US" altLang="zh-TW" dirty="0">
+                <a:latin typeface="標楷體" panose="03000509000000000000" pitchFamily="65" charset="-120"/>
+                <a:ea typeface="標楷體" panose="03000509000000000000" pitchFamily="65" charset="-120"/>
+              </a:rPr>
               <a:t>”</a:t>
             </a:r>
             <a:r>
-              <a:rPr lang="zh-TW" altLang="en-US" dirty="0"/>
+              <a:rPr lang="zh-TW" altLang="en-US" dirty="0">
+                <a:latin typeface="標楷體" panose="03000509000000000000" pitchFamily="65" charset="-120"/>
+                <a:ea typeface="標楷體" panose="03000509000000000000" pitchFamily="65" charset="-120"/>
+              </a:rPr>
               <a:t>題目</a:t>
             </a:r>
             <a:r>
-              <a:rPr lang="en-US" altLang="zh-TW" dirty="0"/>
+              <a:rPr lang="en-US" altLang="zh-TW" dirty="0">
+                <a:latin typeface="標楷體" panose="03000509000000000000" pitchFamily="65" charset="-120"/>
+                <a:ea typeface="標楷體" panose="03000509000000000000" pitchFamily="65" charset="-120"/>
+              </a:rPr>
               <a:t>1”</a:t>
             </a:r>
             <a:r>
-              <a:rPr lang="zh-TW" altLang="en-US" dirty="0"/>
+              <a:rPr lang="zh-TW" altLang="en-US" dirty="0">
+                <a:latin typeface="標楷體" panose="03000509000000000000" pitchFamily="65" charset="-120"/>
+                <a:ea typeface="標楷體" panose="03000509000000000000" pitchFamily="65" charset="-120"/>
+              </a:rPr>
               <a:t>，選擇選項</a:t>
             </a:r>
             <a:r>
-              <a:rPr lang="en-US" altLang="zh-TW" dirty="0"/>
+              <a:rPr lang="en-US" altLang="zh-TW" dirty="0">
+                <a:latin typeface="標楷體" panose="03000509000000000000" pitchFamily="65" charset="-120"/>
+                <a:ea typeface="標楷體" panose="03000509000000000000" pitchFamily="65" charset="-120"/>
+              </a:rPr>
               <a:t>A</a:t>
             </a:r>
             <a:r>
-              <a:rPr lang="zh-TW" altLang="en-US" dirty="0"/>
+              <a:rPr lang="zh-TW" altLang="en-US" dirty="0">
+                <a:latin typeface="標楷體" panose="03000509000000000000" pitchFamily="65" charset="-120"/>
+                <a:ea typeface="標楷體" panose="03000509000000000000" pitchFamily="65" charset="-120"/>
+              </a:rPr>
               <a:t>後，繼續作答題目</a:t>
             </a:r>
             <a:r>
-              <a:rPr lang="en-US" altLang="zh-TW" dirty="0"/>
+              <a:rPr lang="en-US" altLang="zh-TW" dirty="0">
+                <a:latin typeface="標楷體" panose="03000509000000000000" pitchFamily="65" charset="-120"/>
+                <a:ea typeface="標楷體" panose="03000509000000000000" pitchFamily="65" charset="-120"/>
+              </a:rPr>
               <a:t>2…..</a:t>
             </a:r>
             <a:r>
-              <a:rPr lang="zh-TW" altLang="en-US" dirty="0"/>
+              <a:rPr lang="zh-TW" altLang="en-US" dirty="0">
+                <a:latin typeface="標楷體" panose="03000509000000000000" pitchFamily="65" charset="-120"/>
+                <a:ea typeface="標楷體" panose="03000509000000000000" pitchFamily="65" charset="-120"/>
+              </a:rPr>
               <a:t>，待使用者將五題作答完成，需結算答對題數及錯誤數</a:t>
             </a:r>
           </a:p>
@@ -15266,7 +15629,7 @@
         <p:spPr>
           <a:xfrm>
             <a:off x="539552" y="404664"/>
-            <a:ext cx="7344816" cy="4752528"/>
+            <a:ext cx="6912768" cy="5832648"/>
           </a:xfrm>
           <a:prstGeom prst="rect">
             <a:avLst/>
@@ -15274,7 +15637,7 @@
         </p:spPr>
         <p:txBody>
           <a:bodyPr>
-            <a:normAutofit lnSpcReduction="10000"/>
+            <a:normAutofit/>
           </a:bodyPr>
           <a:lstStyle>
             <a:lvl1pPr marL="91440" indent="-91440" algn="l" defTabSz="914400" rtl="0" eaLnBrk="1" latinLnBrk="0" hangingPunct="1">
@@ -15528,7 +15891,10 @@
               <a:buNone/>
             </a:pPr>
             <a:r>
-              <a:rPr lang="en-US" altLang="zh-TW" dirty="0"/>
+              <a:rPr lang="en-US" altLang="zh-TW" sz="1800" dirty="0">
+                <a:latin typeface="標楷體" panose="03000509000000000000" pitchFamily="65" charset="-120"/>
+                <a:ea typeface="標楷體" panose="03000509000000000000" pitchFamily="65" charset="-120"/>
+              </a:rPr>
               <a:t>Spec 1</a:t>
             </a:r>
           </a:p>
@@ -15537,26 +15903,51 @@
               <a:buNone/>
             </a:pPr>
             <a:r>
-              <a:rPr lang="zh-TW" altLang="en-US" dirty="0"/>
-              <a:t>基本</a:t>
-            </a:r>
-            <a:r>
-              <a:rPr lang="en-US" altLang="zh-TW" dirty="0"/>
-              <a:t>RWD</a:t>
-            </a:r>
-            <a:r>
-              <a:rPr lang="zh-TW" altLang="en-US" dirty="0"/>
-              <a:t>，手機模式下不能有 </a:t>
-            </a:r>
-            <a:r>
-              <a:rPr lang="en-US" altLang="zh-TW" dirty="0"/>
-              <a:t>scroll-bar</a:t>
-            </a:r>
-            <a:r>
-              <a:rPr lang="zh-TW" altLang="en-US" dirty="0"/>
-              <a:t>且畫面正常顯示</a:t>
-            </a:r>
-            <a:endParaRPr lang="en-US" altLang="zh-TW" dirty="0"/>
+              <a:rPr lang="zh-TW" altLang="en-US" sz="1600" dirty="0">
+                <a:latin typeface="標楷體" panose="03000509000000000000" pitchFamily="65" charset="-120"/>
+                <a:ea typeface="標楷體" panose="03000509000000000000" pitchFamily="65" charset="-120"/>
+              </a:rPr>
+              <a:t>使用</a:t>
+            </a:r>
+            <a:r>
+              <a:rPr lang="en-US" altLang="zh-TW" sz="1600" dirty="0">
+                <a:latin typeface="標楷體" panose="03000509000000000000" pitchFamily="65" charset="-120"/>
+                <a:ea typeface="標楷體" panose="03000509000000000000" pitchFamily="65" charset="-120"/>
+              </a:rPr>
+              <a:t>Demo</a:t>
+            </a:r>
+            <a:r>
+              <a:rPr lang="zh-TW" altLang="en-US" sz="1600" dirty="0">
+                <a:latin typeface="標楷體" panose="03000509000000000000" pitchFamily="65" charset="-120"/>
+                <a:ea typeface="標楷體" panose="03000509000000000000" pitchFamily="65" charset="-120"/>
+              </a:rPr>
+              <a:t>專案建立、並規劃</a:t>
+            </a:r>
+            <a:r>
+              <a:rPr lang="en-US" altLang="zh-TW" sz="1600" dirty="0" err="1">
+                <a:latin typeface="標楷體" panose="03000509000000000000" pitchFamily="65" charset="-120"/>
+                <a:ea typeface="標楷體" panose="03000509000000000000" pitchFamily="65" charset="-120"/>
+              </a:rPr>
+              <a:t>Api</a:t>
+            </a:r>
+            <a:r>
+              <a:rPr lang="en-US" altLang="zh-TW" sz="1600" dirty="0">
+                <a:latin typeface="標楷體" panose="03000509000000000000" pitchFamily="65" charset="-120"/>
+                <a:ea typeface="標楷體" panose="03000509000000000000" pitchFamily="65" charset="-120"/>
+              </a:rPr>
+              <a:t> </a:t>
+            </a:r>
+            <a:r>
+              <a:rPr lang="zh-TW" altLang="en-US" sz="1600" dirty="0">
+                <a:latin typeface="標楷體" panose="03000509000000000000" pitchFamily="65" charset="-120"/>
+                <a:ea typeface="標楷體" panose="03000509000000000000" pitchFamily="65" charset="-120"/>
+              </a:rPr>
+              <a:t>格式。</a:t>
+            </a:r>
+            <a:endParaRPr lang="en-US" altLang="zh-TW" sz="1600" dirty="0">
+              <a:latin typeface="標楷體" panose="03000509000000000000" pitchFamily="65" charset="-120"/>
+              <a:ea typeface="標楷體" panose="03000509000000000000" pitchFamily="65" charset="-120"/>
+            </a:endParaRPr>
           </a:p>
           <a:p>
             <a:pPr marL="0" indent="0">
@@ -15564,7 +15955,10 @@
               <a:buNone/>
             </a:pPr>
             <a:r>
-              <a:rPr lang="en-US" altLang="zh-TW" dirty="0"/>
+              <a:rPr lang="en-US" altLang="zh-TW" sz="1800" dirty="0">
+                <a:latin typeface="標楷體" panose="03000509000000000000" pitchFamily="65" charset="-120"/>
+                <a:ea typeface="標楷體" panose="03000509000000000000" pitchFamily="65" charset="-120"/>
+              </a:rPr>
               <a:t>Spec 2</a:t>
             </a:r>
           </a:p>
@@ -15573,10 +15967,44 @@
               <a:buNone/>
             </a:pPr>
             <a:r>
-              <a:rPr lang="zh-TW" altLang="en-US" dirty="0"/>
-              <a:t>使用者開始作答後，每回答一題，畫面自動顯示下一題題目，使用者不需額外點選</a:t>
-            </a:r>
-            <a:endParaRPr lang="en-US" altLang="zh-TW" dirty="0"/>
+              <a:rPr lang="zh-TW" altLang="en-US" sz="1600" dirty="0">
+                <a:latin typeface="標楷體" panose="03000509000000000000" pitchFamily="65" charset="-120"/>
+                <a:ea typeface="標楷體" panose="03000509000000000000" pitchFamily="65" charset="-120"/>
+              </a:rPr>
+              <a:t>基本</a:t>
+            </a:r>
+            <a:r>
+              <a:rPr lang="en-US" altLang="zh-TW" sz="1600" dirty="0">
+                <a:latin typeface="標楷體" panose="03000509000000000000" pitchFamily="65" charset="-120"/>
+                <a:ea typeface="標楷體" panose="03000509000000000000" pitchFamily="65" charset="-120"/>
+              </a:rPr>
+              <a:t>RWD</a:t>
+            </a:r>
+            <a:r>
+              <a:rPr lang="zh-TW" altLang="en-US" sz="1600" dirty="0">
+                <a:latin typeface="標楷體" panose="03000509000000000000" pitchFamily="65" charset="-120"/>
+                <a:ea typeface="標楷體" panose="03000509000000000000" pitchFamily="65" charset="-120"/>
+              </a:rPr>
+              <a:t>，手機模式下不能有 </a:t>
+            </a:r>
+            <a:r>
+              <a:rPr lang="en-US" altLang="zh-TW" sz="1600" dirty="0">
+                <a:latin typeface="標楷體" panose="03000509000000000000" pitchFamily="65" charset="-120"/>
+                <a:ea typeface="標楷體" panose="03000509000000000000" pitchFamily="65" charset="-120"/>
+              </a:rPr>
+              <a:t>scroll-bar</a:t>
+            </a:r>
+            <a:r>
+              <a:rPr lang="zh-TW" altLang="en-US" sz="1600" dirty="0">
+                <a:latin typeface="標楷體" panose="03000509000000000000" pitchFamily="65" charset="-120"/>
+                <a:ea typeface="標楷體" panose="03000509000000000000" pitchFamily="65" charset="-120"/>
+              </a:rPr>
+              <a:t>且畫面正常顯示</a:t>
+            </a:r>
+            <a:endParaRPr lang="en-US" altLang="zh-TW" sz="1600" dirty="0">
+              <a:latin typeface="標楷體" panose="03000509000000000000" pitchFamily="65" charset="-120"/>
+              <a:ea typeface="標楷體" panose="03000509000000000000" pitchFamily="65" charset="-120"/>
+            </a:endParaRPr>
           </a:p>
           <a:p>
             <a:pPr marL="0" indent="0">
@@ -15584,7 +16012,10 @@
               <a:buNone/>
             </a:pPr>
             <a:r>
-              <a:rPr lang="en-US" altLang="zh-TW" dirty="0"/>
+              <a:rPr lang="en-US" altLang="zh-TW" sz="1800" dirty="0">
+                <a:latin typeface="標楷體" panose="03000509000000000000" pitchFamily="65" charset="-120"/>
+                <a:ea typeface="標楷體" panose="03000509000000000000" pitchFamily="65" charset="-120"/>
+              </a:rPr>
               <a:t>Spec 3</a:t>
             </a:r>
           </a:p>
@@ -15593,10 +16024,16 @@
               <a:buNone/>
             </a:pPr>
             <a:r>
-              <a:rPr lang="zh-TW" altLang="en-US" dirty="0"/>
-              <a:t>使用者將五題題目作答完成並按下交卷，統計正確個數及錯誤個數，顯示給使用者看</a:t>
-            </a:r>
-            <a:endParaRPr lang="en-US" altLang="zh-TW" dirty="0"/>
+              <a:rPr lang="zh-TW" altLang="en-US" sz="1600" dirty="0">
+                <a:latin typeface="標楷體" panose="03000509000000000000" pitchFamily="65" charset="-120"/>
+                <a:ea typeface="標楷體" panose="03000509000000000000" pitchFamily="65" charset="-120"/>
+              </a:rPr>
+              <a:t>使用者開始作答後，每回答一題，畫面自動顯示下一題題目，使用者不需額外點選</a:t>
+            </a:r>
+            <a:endParaRPr lang="en-US" altLang="zh-TW" sz="1600" dirty="0">
+              <a:latin typeface="標楷體" panose="03000509000000000000" pitchFamily="65" charset="-120"/>
+              <a:ea typeface="標楷體" panose="03000509000000000000" pitchFamily="65" charset="-120"/>
+            </a:endParaRPr>
           </a:p>
           <a:p>
             <a:pPr marL="0" indent="0">
@@ -15604,7 +16041,10 @@
               <a:buNone/>
             </a:pPr>
             <a:r>
-              <a:rPr lang="en-US" altLang="zh-TW" dirty="0"/>
+              <a:rPr lang="en-US" altLang="zh-TW" sz="1800" dirty="0">
+                <a:latin typeface="標楷體" panose="03000509000000000000" pitchFamily="65" charset="-120"/>
+                <a:ea typeface="標楷體" panose="03000509000000000000" pitchFamily="65" charset="-120"/>
+              </a:rPr>
               <a:t>Spec 4</a:t>
             </a:r>
           </a:p>
@@ -15613,20 +16053,16 @@
               <a:buNone/>
             </a:pPr>
             <a:r>
-              <a:rPr lang="zh-TW" altLang="en-US" dirty="0"/>
-              <a:t>介接題庫資料</a:t>
-            </a:r>
-            <a:r>
-              <a:rPr lang="en-US" altLang="zh-TW" dirty="0"/>
-              <a:t>API </a:t>
-            </a:r>
-            <a:r>
-              <a:rPr lang="en-US" altLang="zh-TW" dirty="0">
-                <a:hlinkClick r:id="rId2"/>
+              <a:rPr lang="zh-TW" altLang="en-US" dirty="0">
+                <a:latin typeface="標楷體" panose="03000509000000000000" pitchFamily="65" charset="-120"/>
+                <a:ea typeface="標楷體" panose="03000509000000000000" pitchFamily="65" charset="-120"/>
               </a:rPr>
-              <a:t>https://run.mocky.io/v3/dcb8d376-1dd1-48f7-91cc-3acef554aee9</a:t>
-            </a:r>
-            <a:endParaRPr lang="en-US" altLang="zh-TW" dirty="0"/>
+              <a:t>使用者將五題題目作答完成並按下交卷，統計正確個數及錯誤個數，顯示給使用者看</a:t>
+            </a:r>
+            <a:endParaRPr lang="en-US" altLang="zh-TW" sz="1800" dirty="0">
+              <a:latin typeface="標楷體" panose="03000509000000000000" pitchFamily="65" charset="-120"/>
+              <a:ea typeface="標楷體" panose="03000509000000000000" pitchFamily="65" charset="-120"/>
+            </a:endParaRPr>
           </a:p>
           <a:p>
             <a:pPr marL="0" indent="0">
@@ -15634,7 +16070,10 @@
               <a:buNone/>
             </a:pPr>
             <a:r>
-              <a:rPr lang="en-US" altLang="zh-TW" dirty="0"/>
+              <a:rPr lang="en-US" altLang="zh-TW" sz="1800" dirty="0">
+                <a:latin typeface="標楷體" panose="03000509000000000000" pitchFamily="65" charset="-120"/>
+                <a:ea typeface="標楷體" panose="03000509000000000000" pitchFamily="65" charset="-120"/>
+              </a:rPr>
               <a:t>Spec 5</a:t>
             </a:r>
           </a:p>
@@ -15643,31 +16082,52 @@
               <a:buNone/>
             </a:pPr>
             <a:r>
-              <a:rPr lang="en-US" altLang="zh-TW" dirty="0"/>
+              <a:rPr lang="en-US" altLang="zh-TW" dirty="0">
+                <a:latin typeface="標楷體" panose="03000509000000000000" pitchFamily="65" charset="-120"/>
+                <a:ea typeface="標楷體" panose="03000509000000000000" pitchFamily="65" charset="-120"/>
+              </a:rPr>
               <a:t>Fork </a:t>
             </a:r>
             <a:r>
-              <a:rPr lang="zh-TW" altLang="en-US" dirty="0"/>
+              <a:rPr lang="zh-TW" altLang="en-US" dirty="0">
+                <a:latin typeface="標楷體" panose="03000509000000000000" pitchFamily="65" charset="-120"/>
+                <a:ea typeface="標楷體" panose="03000509000000000000" pitchFamily="65" charset="-120"/>
+              </a:rPr>
               <a:t>此網址</a:t>
             </a:r>
             <a:r>
-              <a:rPr lang="en-US" altLang="zh-TW" dirty="0"/>
+              <a:rPr lang="en-US" altLang="zh-TW" dirty="0">
+                <a:latin typeface="標楷體" panose="03000509000000000000" pitchFamily="65" charset="-120"/>
+                <a:ea typeface="標楷體" panose="03000509000000000000" pitchFamily="65" charset="-120"/>
+              </a:rPr>
               <a:t>:https://github.com/fs-</a:t>
             </a:r>
             <a:r>
-              <a:rPr lang="en-US" altLang="zh-TW" dirty="0" err="1"/>
+              <a:rPr lang="en-US" altLang="zh-TW" dirty="0" err="1">
+                <a:latin typeface="標楷體" panose="03000509000000000000" pitchFamily="65" charset="-120"/>
+                <a:ea typeface="標楷體" panose="03000509000000000000" pitchFamily="65" charset="-120"/>
+              </a:rPr>
               <a:t>tw</a:t>
             </a:r>
             <a:r>
-              <a:rPr lang="en-US" altLang="zh-TW" dirty="0"/>
+              <a:rPr lang="en-US" altLang="zh-TW" dirty="0">
+                <a:latin typeface="標楷體" panose="03000509000000000000" pitchFamily="65" charset="-120"/>
+                <a:ea typeface="標楷體" panose="03000509000000000000" pitchFamily="65" charset="-120"/>
+              </a:rPr>
               <a:t>/</a:t>
             </a:r>
             <a:r>
-              <a:rPr lang="en-US" altLang="zh-TW" dirty="0" err="1"/>
+              <a:rPr lang="en-US" altLang="zh-TW" dirty="0" err="1">
+                <a:latin typeface="標楷體" panose="03000509000000000000" pitchFamily="65" charset="-120"/>
+                <a:ea typeface="標楷體" panose="03000509000000000000" pitchFamily="65" charset="-120"/>
+              </a:rPr>
               <a:t>SampleDocument</a:t>
             </a:r>
             <a:r>
-              <a:rPr lang="zh-TW" altLang="en-US" dirty="0"/>
+              <a:rPr lang="zh-TW" altLang="en-US" dirty="0">
+                <a:latin typeface="標楷體" panose="03000509000000000000" pitchFamily="65" charset="-120"/>
+                <a:ea typeface="標楷體" panose="03000509000000000000" pitchFamily="65" charset="-120"/>
+              </a:rPr>
               <a:t>，將實作結果放在個人 </a:t>
             </a:r>
             <a:r>
@@ -15676,7 +16136,8 @@
                   <a:schemeClr val="tx1"/>
                 </a:solidFill>
                 <a:effectLst/>
-                <a:latin typeface="-apple-system"/>
+                <a:latin typeface="標楷體" panose="03000509000000000000" pitchFamily="65" charset="-120"/>
+                <a:ea typeface="標楷體" panose="03000509000000000000" pitchFamily="65" charset="-120"/>
               </a:rPr>
               <a:t>repository </a:t>
             </a:r>
@@ -15690,7 +16151,8 @@
                 <a:schemeClr val="tx1"/>
               </a:solidFill>
               <a:effectLst/>
-              <a:latin typeface="-apple-system"/>
+              <a:latin typeface="標楷體" panose="03000509000000000000" pitchFamily="65" charset="-120"/>
+              <a:ea typeface="標楷體" panose="03000509000000000000" pitchFamily="65" charset="-120"/>
             </a:endParaRPr>
           </a:p>
           <a:p>
@@ -15701,7 +16163,8 @@
               <a:solidFill>
                 <a:schemeClr val="tx1"/>
               </a:solidFill>
-              <a:latin typeface="-apple-system"/>
+              <a:latin typeface="標楷體" panose="03000509000000000000" pitchFamily="65" charset="-120"/>
+              <a:ea typeface="標楷體" panose="03000509000000000000" pitchFamily="65" charset="-120"/>
             </a:endParaRPr>
           </a:p>
           <a:p>
@@ -15713,74 +16176,108 @@
                 <a:schemeClr val="tx1"/>
               </a:solidFill>
               <a:effectLst/>
-              <a:latin typeface="-apple-system"/>
+              <a:latin typeface="標楷體" panose="03000509000000000000" pitchFamily="65" charset="-120"/>
+              <a:ea typeface="標楷體" panose="03000509000000000000" pitchFamily="65" charset="-120"/>
             </a:endParaRPr>
           </a:p>
           <a:p>
             <a:pPr marL="292608" lvl="1" indent="0">
               <a:buNone/>
             </a:pPr>
-            <a:endParaRPr lang="en-US" altLang="zh-TW" dirty="0"/>
+            <a:endParaRPr lang="en-US" altLang="zh-TW" dirty="0">
+              <a:latin typeface="標楷體" panose="03000509000000000000" pitchFamily="65" charset="-120"/>
+              <a:ea typeface="標楷體" panose="03000509000000000000" pitchFamily="65" charset="-120"/>
+            </a:endParaRPr>
           </a:p>
           <a:p>
             <a:pPr marL="292608" lvl="1" indent="0">
               <a:buNone/>
             </a:pPr>
-            <a:endParaRPr lang="en-US" altLang="zh-TW" dirty="0"/>
+            <a:endParaRPr lang="en-US" altLang="zh-TW" dirty="0">
+              <a:latin typeface="標楷體" panose="03000509000000000000" pitchFamily="65" charset="-120"/>
+              <a:ea typeface="標楷體" panose="03000509000000000000" pitchFamily="65" charset="-120"/>
+            </a:endParaRPr>
           </a:p>
           <a:p>
             <a:pPr marL="292608" lvl="1" indent="0">
               <a:buNone/>
             </a:pPr>
-            <a:endParaRPr lang="en-US" altLang="zh-TW" dirty="0"/>
+            <a:endParaRPr lang="en-US" altLang="zh-TW" dirty="0">
+              <a:latin typeface="標楷體" panose="03000509000000000000" pitchFamily="65" charset="-120"/>
+              <a:ea typeface="標楷體" panose="03000509000000000000" pitchFamily="65" charset="-120"/>
+            </a:endParaRPr>
           </a:p>
           <a:p>
             <a:pPr marL="292608" lvl="1" indent="0">
               <a:buNone/>
             </a:pPr>
-            <a:endParaRPr lang="en-US" altLang="zh-TW" dirty="0"/>
+            <a:endParaRPr lang="en-US" altLang="zh-TW" dirty="0">
+              <a:latin typeface="標楷體" panose="03000509000000000000" pitchFamily="65" charset="-120"/>
+              <a:ea typeface="標楷體" panose="03000509000000000000" pitchFamily="65" charset="-120"/>
+            </a:endParaRPr>
           </a:p>
           <a:p>
             <a:pPr marL="292608" lvl="1" indent="0">
               <a:buNone/>
             </a:pPr>
-            <a:endParaRPr lang="en-US" altLang="zh-TW" dirty="0"/>
+            <a:endParaRPr lang="en-US" altLang="zh-TW" dirty="0">
+              <a:latin typeface="標楷體" panose="03000509000000000000" pitchFamily="65" charset="-120"/>
+              <a:ea typeface="標楷體" panose="03000509000000000000" pitchFamily="65" charset="-120"/>
+            </a:endParaRPr>
           </a:p>
           <a:p>
             <a:pPr marL="292608" lvl="1" indent="0">
               <a:buNone/>
             </a:pPr>
-            <a:endParaRPr lang="en-US" altLang="zh-TW" dirty="0"/>
+            <a:endParaRPr lang="en-US" altLang="zh-TW" dirty="0">
+              <a:latin typeface="標楷體" panose="03000509000000000000" pitchFamily="65" charset="-120"/>
+              <a:ea typeface="標楷體" panose="03000509000000000000" pitchFamily="65" charset="-120"/>
+            </a:endParaRPr>
           </a:p>
           <a:p>
             <a:pPr marL="292608" lvl="1" indent="0">
               <a:buNone/>
             </a:pPr>
-            <a:endParaRPr lang="en-US" altLang="zh-TW" dirty="0"/>
+            <a:endParaRPr lang="en-US" altLang="zh-TW" dirty="0">
+              <a:latin typeface="標楷體" panose="03000509000000000000" pitchFamily="65" charset="-120"/>
+              <a:ea typeface="標楷體" panose="03000509000000000000" pitchFamily="65" charset="-120"/>
+            </a:endParaRPr>
           </a:p>
           <a:p>
             <a:pPr marL="292608" lvl="1" indent="0">
               <a:buNone/>
             </a:pPr>
-            <a:endParaRPr lang="en-US" altLang="zh-TW" dirty="0"/>
+            <a:endParaRPr lang="en-US" altLang="zh-TW" dirty="0">
+              <a:latin typeface="標楷體" panose="03000509000000000000" pitchFamily="65" charset="-120"/>
+              <a:ea typeface="標楷體" panose="03000509000000000000" pitchFamily="65" charset="-120"/>
+            </a:endParaRPr>
           </a:p>
           <a:p>
             <a:pPr marL="292608" lvl="1" indent="0">
               <a:buNone/>
             </a:pPr>
-            <a:endParaRPr lang="en-US" altLang="zh-TW" dirty="0"/>
+            <a:endParaRPr lang="en-US" altLang="zh-TW" dirty="0">
+              <a:latin typeface="標楷體" panose="03000509000000000000" pitchFamily="65" charset="-120"/>
+              <a:ea typeface="標楷體" panose="03000509000000000000" pitchFamily="65" charset="-120"/>
+            </a:endParaRPr>
           </a:p>
           <a:p>
             <a:pPr marL="292608" lvl="1" indent="0">
               <a:buNone/>
             </a:pPr>
-            <a:endParaRPr lang="en-US" altLang="zh-TW" dirty="0"/>
+            <a:endParaRPr lang="en-US" altLang="zh-TW" dirty="0">
+              <a:latin typeface="標楷體" panose="03000509000000000000" pitchFamily="65" charset="-120"/>
+              <a:ea typeface="標楷體" panose="03000509000000000000" pitchFamily="65" charset="-120"/>
+            </a:endParaRPr>
           </a:p>
           <a:p>
             <a:pPr marL="292608" lvl="1" indent="0">
               <a:buNone/>
             </a:pPr>
-            <a:endParaRPr lang="en-US" altLang="zh-TW" dirty="0"/>
+            <a:endParaRPr lang="en-US" altLang="zh-TW" dirty="0">
+              <a:latin typeface="標楷體" panose="03000509000000000000" pitchFamily="65" charset="-120"/>
+              <a:ea typeface="標楷體" panose="03000509000000000000" pitchFamily="65" charset="-120"/>
+            </a:endParaRPr>
           </a:p>
         </p:txBody>
       </p:sp>
